--- a/Präsentation/Broker redundancy.pptx
+++ b/Präsentation/Broker redundancy.pptx
@@ -5,10 +5,10 @@
     <p:sldMasterId id="2147483900" r:id="rId1"/>
   </p:sldMasterIdLst>
   <p:notesMasterIdLst>
-    <p:notesMasterId r:id="rId14"/>
+    <p:notesMasterId r:id="rId15"/>
   </p:notesMasterIdLst>
   <p:handoutMasterIdLst>
-    <p:handoutMasterId r:id="rId15"/>
+    <p:handoutMasterId r:id="rId16"/>
   </p:handoutMasterIdLst>
   <p:sldIdLst>
     <p:sldId id="257" r:id="rId2"/>
@@ -22,7 +22,8 @@
     <p:sldId id="364" r:id="rId10"/>
     <p:sldId id="365" r:id="rId11"/>
     <p:sldId id="366" r:id="rId12"/>
-    <p:sldId id="358" r:id="rId13"/>
+    <p:sldId id="367" r:id="rId13"/>
+    <p:sldId id="358" r:id="rId14"/>
   </p:sldIdLst>
   <p:sldSz cx="9144000" cy="6858000" type="screen4x3"/>
   <p:notesSz cx="6797675" cy="9926638"/>
@@ -427,9 +428,9 @@
             <a:pPr>
               <a:defRPr/>
             </a:pPr>
-            <a:fld id="{4E0C06B7-C559-4809-80E3-2886171D3968}" type="datetime1">
+            <a:fld id="{B1B16F65-A082-4722-9832-19C117B3708F}" type="datetime1">
               <a:rPr lang="de-DE" smtClean="0"/>
-              <a:t>13.07.2020</a:t>
+              <a:t>14.07.2020</a:t>
             </a:fld>
             <a:endParaRPr lang="de-DE"/>
           </a:p>
@@ -457,14 +458,14 @@
           </a:ln>
           <a:extLst>
             <a:ext uri="{909E8E84-426E-40dd-AFC4-6F175D3DCCD1}">
-              <a14:hiddenFill xmlns="" xmlns:a14="http://schemas.microsoft.com/office/drawing/2010/main">
+              <a14:hiddenFill xmlns:a14="http://schemas.microsoft.com/office/drawing/2010/main" xmlns="">
                 <a:solidFill>
                   <a:srgbClr val="FFFFFF"/>
                 </a:solidFill>
               </a14:hiddenFill>
             </a:ext>
             <a:ext uri="{91240B29-F687-4f45-9708-019B960494DF}">
-              <a14:hiddenLine xmlns="" xmlns:a14="http://schemas.microsoft.com/office/drawing/2010/main" w="9525">
+              <a14:hiddenLine xmlns:a14="http://schemas.microsoft.com/office/drawing/2010/main" xmlns="" w="9525">
                 <a:solidFill>
                   <a:srgbClr val="000000"/>
                 </a:solidFill>
@@ -517,14 +518,14 @@
           </a:ln>
           <a:extLst>
             <a:ext uri="{909E8E84-426E-40dd-AFC4-6F175D3DCCD1}">
-              <a14:hiddenFill xmlns="" xmlns:a14="http://schemas.microsoft.com/office/drawing/2010/main">
+              <a14:hiddenFill xmlns:a14="http://schemas.microsoft.com/office/drawing/2010/main" xmlns="">
                 <a:solidFill>
                   <a:srgbClr val="FFFFFF"/>
                 </a:solidFill>
               </a14:hiddenFill>
             </a:ext>
             <a:ext uri="{91240B29-F687-4f45-9708-019B960494DF}">
-              <a14:hiddenLine xmlns="" xmlns:a14="http://schemas.microsoft.com/office/drawing/2010/main" w="9525">
+              <a14:hiddenLine xmlns:a14="http://schemas.microsoft.com/office/drawing/2010/main" xmlns="" w="9525">
                 <a:solidFill>
                   <a:srgbClr val="000000"/>
                 </a:solidFill>
@@ -598,7 +599,7 @@
           </a:ln>
           <a:extLst>
             <a:ext uri="{909E8E84-426E-40dd-AFC4-6F175D3DCCD1}">
-              <a14:hiddenFill xmlns="" xmlns:a14="http://schemas.microsoft.com/office/drawing/2010/main">
+              <a14:hiddenFill xmlns:a14="http://schemas.microsoft.com/office/drawing/2010/main" xmlns="">
                 <a:noFill/>
               </a14:hiddenFill>
             </a:ext>
@@ -638,7 +639,7 @@
           </a:ln>
           <a:extLst>
             <a:ext uri="{91240B29-F687-4f45-9708-019B960494DF}">
-              <a14:hiddenLine xmlns="" xmlns:a14="http://schemas.microsoft.com/office/drawing/2010/main" w="9525">
+              <a14:hiddenLine xmlns:a14="http://schemas.microsoft.com/office/drawing/2010/main" xmlns="" w="9525">
                 <a:solidFill>
                   <a:srgbClr val="000000"/>
                 </a:solidFill>
@@ -684,7 +685,7 @@
           </a:ln>
           <a:extLst>
             <a:ext uri="{909E8E84-426E-40dd-AFC4-6F175D3DCCD1}">
-              <a14:hiddenFill xmlns="" xmlns:a14="http://schemas.microsoft.com/office/drawing/2010/main">
+              <a14:hiddenFill xmlns:a14="http://schemas.microsoft.com/office/drawing/2010/main" xmlns="">
                 <a:noFill/>
               </a14:hiddenFill>
             </a:ext>
@@ -725,7 +726,7 @@
           </a:ln>
           <a:extLst>
             <a:ext uri="{909E8E84-426E-40dd-AFC4-6F175D3DCCD1}">
-              <a14:hiddenFill xmlns="" xmlns:a14="http://schemas.microsoft.com/office/drawing/2010/main">
+              <a14:hiddenFill xmlns:a14="http://schemas.microsoft.com/office/drawing/2010/main" xmlns="">
                 <a:noFill/>
               </a14:hiddenFill>
             </a:ext>
@@ -774,14 +775,14 @@
           </a:ln>
           <a:extLst>
             <a:ext uri="{909E8E84-426E-40dd-AFC4-6F175D3DCCD1}">
-              <a14:hiddenFill xmlns="" xmlns:a14="http://schemas.microsoft.com/office/drawing/2010/main">
+              <a14:hiddenFill xmlns:a14="http://schemas.microsoft.com/office/drawing/2010/main" xmlns="">
                 <a:solidFill>
                   <a:srgbClr val="FFFFFF"/>
                 </a:solidFill>
               </a14:hiddenFill>
             </a:ext>
             <a:ext uri="{91240B29-F687-4f45-9708-019B960494DF}">
-              <a14:hiddenLine xmlns="" xmlns:a14="http://schemas.microsoft.com/office/drawing/2010/main" w="9525">
+              <a14:hiddenLine xmlns:a14="http://schemas.microsoft.com/office/drawing/2010/main" xmlns="" w="9525">
                 <a:solidFill>
                   <a:srgbClr val="000000"/>
                 </a:solidFill>
@@ -859,7 +860,7 @@
           </a:ln>
           <a:extLst>
             <a:ext uri="{909E8E84-426E-40dd-AFC4-6F175D3DCCD1}">
-              <a14:hiddenFill xmlns="" xmlns:a14="http://schemas.microsoft.com/office/drawing/2010/main">
+              <a14:hiddenFill xmlns:a14="http://schemas.microsoft.com/office/drawing/2010/main" xmlns="">
                 <a:solidFill>
                   <a:srgbClr val="FFFFFF"/>
                 </a:solidFill>
@@ -1057,9 +1058,9 @@
             <a:pPr>
               <a:defRPr/>
             </a:pPr>
-            <a:fld id="{C7E54160-B116-4109-AA92-3860CE6317DD}" type="datetime1">
+            <a:fld id="{6874E72A-5C1D-4884-B519-A0E90B8F22E3}" type="datetime1">
               <a:rPr lang="de-DE" smtClean="0"/>
-              <a:t>13.07.2020</a:t>
+              <a:t>14.07.2020</a:t>
             </a:fld>
             <a:endParaRPr lang="de-DE"/>
           </a:p>
@@ -1087,14 +1088,14 @@
           </a:ln>
           <a:extLst>
             <a:ext uri="{909E8E84-426E-40dd-AFC4-6F175D3DCCD1}">
-              <a14:hiddenFill xmlns="" xmlns:a14="http://schemas.microsoft.com/office/drawing/2010/main">
+              <a14:hiddenFill xmlns:a14="http://schemas.microsoft.com/office/drawing/2010/main" xmlns="">
                 <a:solidFill>
                   <a:srgbClr val="FFFFFF"/>
                 </a:solidFill>
               </a14:hiddenFill>
             </a:ext>
             <a:ext uri="{91240B29-F687-4f45-9708-019B960494DF}">
-              <a14:hiddenLine xmlns="" xmlns:a14="http://schemas.microsoft.com/office/drawing/2010/main" w="9525">
+              <a14:hiddenLine xmlns:a14="http://schemas.microsoft.com/office/drawing/2010/main" xmlns="" w="9525">
                 <a:solidFill>
                   <a:srgbClr val="000000"/>
                 </a:solidFill>
@@ -1149,14 +1150,14 @@
           </a:ln>
           <a:extLst>
             <a:ext uri="{909E8E84-426E-40dd-AFC4-6F175D3DCCD1}">
-              <a14:hiddenFill xmlns="" xmlns:a14="http://schemas.microsoft.com/office/drawing/2010/main">
+              <a14:hiddenFill xmlns:a14="http://schemas.microsoft.com/office/drawing/2010/main" xmlns="">
                 <a:solidFill>
                   <a:srgbClr val="FFFFFF"/>
                 </a:solidFill>
               </a14:hiddenFill>
             </a:ext>
             <a:ext uri="{91240B29-F687-4f45-9708-019B960494DF}">
-              <a14:hiddenLine xmlns="" xmlns:a14="http://schemas.microsoft.com/office/drawing/2010/main" w="9525">
+              <a14:hiddenLine xmlns:a14="http://schemas.microsoft.com/office/drawing/2010/main" xmlns="" w="9525">
                 <a:solidFill>
                   <a:srgbClr val="000000"/>
                 </a:solidFill>
@@ -1234,7 +1235,7 @@
           </a:ln>
           <a:extLst>
             <a:ext uri="{909E8E84-426E-40dd-AFC4-6F175D3DCCD1}">
-              <a14:hiddenFill xmlns="" xmlns:a14="http://schemas.microsoft.com/office/drawing/2010/main">
+              <a14:hiddenFill xmlns:a14="http://schemas.microsoft.com/office/drawing/2010/main" xmlns="">
                 <a:noFill/>
               </a14:hiddenFill>
             </a:ext>
@@ -1274,7 +1275,7 @@
           </a:ln>
           <a:extLst>
             <a:ext uri="{91240B29-F687-4f45-9708-019B960494DF}">
-              <a14:hiddenLine xmlns="" xmlns:a14="http://schemas.microsoft.com/office/drawing/2010/main" w="9525">
+              <a14:hiddenLine xmlns:a14="http://schemas.microsoft.com/office/drawing/2010/main" xmlns="" w="9525">
                 <a:solidFill>
                   <a:srgbClr val="000000"/>
                 </a:solidFill>
@@ -1320,7 +1321,7 @@
           </a:ln>
           <a:extLst>
             <a:ext uri="{909E8E84-426E-40dd-AFC4-6F175D3DCCD1}">
-              <a14:hiddenFill xmlns="" xmlns:a14="http://schemas.microsoft.com/office/drawing/2010/main">
+              <a14:hiddenFill xmlns:a14="http://schemas.microsoft.com/office/drawing/2010/main" xmlns="">
                 <a:noFill/>
               </a14:hiddenFill>
             </a:ext>
@@ -1361,7 +1362,7 @@
           </a:ln>
           <a:extLst>
             <a:ext uri="{909E8E84-426E-40dd-AFC4-6F175D3DCCD1}">
-              <a14:hiddenFill xmlns="" xmlns:a14="http://schemas.microsoft.com/office/drawing/2010/main">
+              <a14:hiddenFill xmlns:a14="http://schemas.microsoft.com/office/drawing/2010/main" xmlns="">
                 <a:noFill/>
               </a14:hiddenFill>
             </a:ext>
@@ -1410,14 +1411,14 @@
           </a:ln>
           <a:extLst>
             <a:ext uri="{909E8E84-426E-40dd-AFC4-6F175D3DCCD1}">
-              <a14:hiddenFill xmlns="" xmlns:a14="http://schemas.microsoft.com/office/drawing/2010/main">
+              <a14:hiddenFill xmlns:a14="http://schemas.microsoft.com/office/drawing/2010/main" xmlns="">
                 <a:solidFill>
                   <a:srgbClr val="FFFFFF"/>
                 </a:solidFill>
               </a14:hiddenFill>
             </a:ext>
             <a:ext uri="{91240B29-F687-4f45-9708-019B960494DF}">
-              <a14:hiddenLine xmlns="" xmlns:a14="http://schemas.microsoft.com/office/drawing/2010/main" w="9525">
+              <a14:hiddenLine xmlns:a14="http://schemas.microsoft.com/office/drawing/2010/main" xmlns="" w="9525">
                 <a:solidFill>
                   <a:srgbClr val="000000"/>
                 </a:solidFill>
@@ -1752,6 +1753,57 @@
     </p:spTree>
     <p:extLst>
       <p:ext uri="{BB962C8B-B14F-4D97-AF65-F5344CB8AC3E}">
+        <p14:creationId xmlns:p14="http://schemas.microsoft.com/office/powerpoint/2010/main" val="2662421247"/>
+      </p:ext>
+    </p:extLst>
+  </p:cSld>
+  <p:clrMapOvr>
+    <a:masterClrMapping/>
+  </p:clrMapOvr>
+</p:notes>
+</file>
+
+<file path=ppt/notesSlides/notesSlide13.xml><?xml version="1.0" encoding="utf-8"?>
+<p:notes xmlns:a="http://schemas.openxmlformats.org/drawingml/2006/main" xmlns:r="http://schemas.openxmlformats.org/officeDocument/2006/relationships" xmlns:p="http://schemas.openxmlformats.org/presentationml/2006/main">
+  <p:cSld>
+    <p:spTree>
+      <p:nvGrpSpPr>
+        <p:cNvPr id="1" name=""/>
+        <p:cNvGrpSpPr/>
+        <p:nvPr/>
+      </p:nvGrpSpPr>
+      <p:grpSpPr>
+        <a:xfrm>
+          <a:off x="0" y="0"/>
+          <a:ext cx="0" cy="0"/>
+          <a:chOff x="0" y="0"/>
+          <a:chExt cx="0" cy="0"/>
+        </a:xfrm>
+      </p:grpSpPr>
+      <p:sp>
+        <p:nvSpPr>
+          <p:cNvPr id="2" name="Notes Placeholder"/>
+          <p:cNvSpPr>
+            <a:spLocks noGrp="1"/>
+          </p:cNvSpPr>
+          <p:nvPr>
+            <p:ph type="body" idx="1"/>
+          </p:nvPr>
+        </p:nvSpPr>
+        <p:spPr/>
+        <p:txBody>
+          <a:bodyPr>
+            <a:normAutofit/>
+          </a:bodyPr>
+          <a:lstStyle/>
+          <a:p>
+            <a:endParaRPr/>
+          </a:p>
+        </p:txBody>
+      </p:sp>
+    </p:spTree>
+    <p:extLst>
+      <p:ext uri="{BB962C8B-B14F-4D97-AF65-F5344CB8AC3E}">
         <p14:creationId xmlns:p14="http://schemas.microsoft.com/office/powerpoint/2010/main" val="54140057"/>
       </p:ext>
     </p:extLst>
@@ -1796,7 +1848,69 @@
           </a:bodyPr>
           <a:lstStyle/>
           <a:p>
-            <a:endParaRPr/>
+            <a:r>
+              <a:rPr lang="de-DE" dirty="0"/>
+              <a:t>Standortbezogene Dienste</a:t>
+            </a:r>
+          </a:p>
+          <a:p>
+            <a:r>
+              <a:rPr lang="de-DE" dirty="0"/>
+              <a:t>Online Diagnose von Werkstätten</a:t>
+            </a:r>
+          </a:p>
+          <a:p>
+            <a:r>
+              <a:rPr lang="de-DE" dirty="0"/>
+              <a:t>Sammeln von </a:t>
+            </a:r>
+            <a:r>
+              <a:rPr lang="de-DE" dirty="0" err="1"/>
+              <a:t>wetterdaten</a:t>
+            </a:r>
+            <a:r>
+              <a:rPr lang="de-DE" dirty="0"/>
+              <a:t>, </a:t>
+            </a:r>
+            <a:r>
+              <a:rPr lang="de-DE" dirty="0" err="1"/>
+              <a:t>fahrzeuge</a:t>
+            </a:r>
+            <a:r>
+              <a:rPr lang="de-DE" dirty="0"/>
+              <a:t> als </a:t>
+            </a:r>
+            <a:r>
+              <a:rPr lang="de-DE" dirty="0" err="1"/>
+              <a:t>wetterstationen</a:t>
+            </a:r>
+            <a:endParaRPr lang="de-DE" dirty="0"/>
+          </a:p>
+          <a:p>
+            <a:r>
+              <a:rPr lang="de-DE" dirty="0"/>
+              <a:t>Mobile </a:t>
+            </a:r>
+            <a:r>
+              <a:rPr lang="de-DE" dirty="0" err="1"/>
+              <a:t>arbeitszeiterfassung</a:t>
+            </a:r>
+            <a:endParaRPr lang="de-DE" dirty="0"/>
+          </a:p>
+          <a:p>
+            <a:r>
+              <a:rPr lang="de-DE" dirty="0" err="1"/>
+              <a:t>Relevatne</a:t>
+            </a:r>
+            <a:r>
+              <a:rPr lang="de-DE" dirty="0"/>
+              <a:t> daten für </a:t>
+            </a:r>
+            <a:r>
+              <a:rPr lang="de-DE" dirty="0" err="1"/>
+              <a:t>rettungsdienste</a:t>
+            </a:r>
+            <a:endParaRPr dirty="0"/>
           </a:p>
         </p:txBody>
       </p:sp>
@@ -2209,7 +2323,7 @@
           </a:ln>
           <a:extLst>
             <a:ext uri="{909E8E84-426E-40dd-AFC4-6F175D3DCCD1}">
-              <a14:hiddenFill xmlns="" xmlns:a14="http://schemas.microsoft.com/office/drawing/2010/main">
+              <a14:hiddenFill xmlns:a14="http://schemas.microsoft.com/office/drawing/2010/main" xmlns="">
                 <a:noFill/>
               </a14:hiddenFill>
             </a:ext>
@@ -2470,25 +2584,10 @@
               <a:defRPr/>
             </a:pPr>
             <a:r>
-              <a:rPr lang="de-DE" dirty="0"/>
-              <a:t>Prof. Dr. Achim Rettberg – University </a:t>
-            </a:r>
-            <a:r>
-              <a:rPr lang="de-DE" dirty="0" err="1"/>
-              <a:t>of</a:t>
-            </a:r>
-            <a:r>
-              <a:rPr lang="de-DE" dirty="0"/>
-              <a:t> Applied </a:t>
-            </a:r>
-            <a:r>
-              <a:rPr lang="de-DE" dirty="0" err="1"/>
-              <a:t>Sciences</a:t>
-            </a:r>
-            <a:r>
-              <a:rPr lang="de-DE" dirty="0"/>
-              <a:t> Hamm-Lippstadt</a:t>
-            </a:r>
+              <a:rPr lang="en-US"/>
+              <a:t>Michael Jathe  – University of Applied Sciences Hamm-Lippstadt</a:t>
+            </a:r>
+            <a:endParaRPr lang="de-DE" dirty="0"/>
           </a:p>
         </p:txBody>
       </p:sp>
@@ -2520,9 +2619,9 @@
             <a:pPr>
               <a:defRPr/>
             </a:pPr>
-            <a:fld id="{67076C5B-2EA2-7A47-B86E-99AAD28441A6}" type="datetime1">
+            <a:fld id="{1B21C18D-DB42-48B4-835C-391F7F2D9F49}" type="datetime1">
               <a:rPr lang="de-DE" smtClean="0"/>
-              <a:t>13.07.2020</a:t>
+              <a:t>14.07.2020</a:t>
             </a:fld>
             <a:endParaRPr lang="de-DE" dirty="0"/>
           </a:p>
@@ -2836,25 +2935,10 @@
               <a:defRPr/>
             </a:pPr>
             <a:r>
-              <a:rPr lang="de-DE" dirty="0"/>
-              <a:t>Prof. Dr. Achim Rettberg – University </a:t>
-            </a:r>
-            <a:r>
-              <a:rPr lang="de-DE" dirty="0" err="1"/>
-              <a:t>of</a:t>
-            </a:r>
-            <a:r>
-              <a:rPr lang="de-DE" dirty="0"/>
-              <a:t> Applied </a:t>
-            </a:r>
-            <a:r>
-              <a:rPr lang="de-DE" dirty="0" err="1"/>
-              <a:t>Sciences</a:t>
-            </a:r>
-            <a:r>
-              <a:rPr lang="de-DE" dirty="0"/>
-              <a:t> Hamm-Lippstadt</a:t>
-            </a:r>
+              <a:rPr lang="en-US"/>
+              <a:t>Michael Jathe  – University of Applied Sciences Hamm-Lippstadt</a:t>
+            </a:r>
+            <a:endParaRPr lang="de-DE" dirty="0"/>
           </a:p>
         </p:txBody>
       </p:sp>
@@ -2882,9 +2966,9 @@
             <a:pPr>
               <a:defRPr/>
             </a:pPr>
-            <a:fld id="{EEA6CC5D-69A9-BA4B-AC99-9F8254D0981E}" type="datetime1">
+            <a:fld id="{F2CA6D63-3701-40C9-B581-F423972F8784}" type="datetime1">
               <a:rPr lang="de-DE" smtClean="0"/>
-              <a:t>13.07.2020</a:t>
+              <a:t>14.07.2020</a:t>
             </a:fld>
             <a:endParaRPr lang="de-DE" dirty="0"/>
           </a:p>
@@ -3249,25 +3333,10 @@
               <a:defRPr/>
             </a:pPr>
             <a:r>
-              <a:rPr lang="de-DE" dirty="0"/>
-              <a:t>Prof. Dr. Achim Rettberg – University </a:t>
-            </a:r>
-            <a:r>
-              <a:rPr lang="de-DE" dirty="0" err="1"/>
-              <a:t>of</a:t>
-            </a:r>
-            <a:r>
-              <a:rPr lang="de-DE" dirty="0"/>
-              <a:t> Applied </a:t>
-            </a:r>
-            <a:r>
-              <a:rPr lang="de-DE" dirty="0" err="1"/>
-              <a:t>Sciences</a:t>
-            </a:r>
-            <a:r>
-              <a:rPr lang="de-DE" dirty="0"/>
-              <a:t> Hamm-Lippstadt</a:t>
-            </a:r>
+              <a:rPr lang="en-US"/>
+              <a:t>Michael Jathe  – University of Applied Sciences Hamm-Lippstadt</a:t>
+            </a:r>
+            <a:endParaRPr lang="de-DE" dirty="0"/>
           </a:p>
         </p:txBody>
       </p:sp>
@@ -3295,9 +3364,9 @@
             <a:pPr>
               <a:defRPr/>
             </a:pPr>
-            <a:fld id="{0B1EAA1D-2E15-9046-9A40-4947ABB751C4}" type="datetime1">
+            <a:fld id="{EB57FE6A-6B51-4B10-90E0-AEFFE6F0A372}" type="datetime1">
               <a:rPr lang="de-DE" smtClean="0"/>
-              <a:t>13.07.2020</a:t>
+              <a:t>14.07.2020</a:t>
             </a:fld>
             <a:endParaRPr lang="de-DE"/>
           </a:p>
@@ -3524,25 +3593,10 @@
               <a:defRPr/>
             </a:pPr>
             <a:r>
-              <a:rPr lang="de-DE" dirty="0"/>
-              <a:t>Prof. Dr. Achim Rettberg – University </a:t>
-            </a:r>
-            <a:r>
-              <a:rPr lang="de-DE" dirty="0" err="1"/>
-              <a:t>of</a:t>
-            </a:r>
-            <a:r>
-              <a:rPr lang="de-DE" dirty="0"/>
-              <a:t> Applied </a:t>
-            </a:r>
-            <a:r>
-              <a:rPr lang="de-DE" dirty="0" err="1"/>
-              <a:t>Sciences</a:t>
-            </a:r>
-            <a:r>
-              <a:rPr lang="de-DE" dirty="0"/>
-              <a:t> Hamm-Lippstadt</a:t>
-            </a:r>
+              <a:rPr lang="en-US"/>
+              <a:t>Michael Jathe  – University of Applied Sciences Hamm-Lippstadt</a:t>
+            </a:r>
+            <a:endParaRPr lang="de-DE" dirty="0"/>
           </a:p>
         </p:txBody>
       </p:sp>
@@ -3570,9 +3624,9 @@
             <a:pPr>
               <a:defRPr/>
             </a:pPr>
-            <a:fld id="{25B5056C-E1FC-1F4E-A35C-F2D495D58E09}" type="datetime1">
+            <a:fld id="{B4DCE7EE-2E90-4AD0-BE78-7D77AD90859F}" type="datetime1">
               <a:rPr lang="de-DE" smtClean="0"/>
-              <a:t>13.07.2020</a:t>
+              <a:t>14.07.2020</a:t>
             </a:fld>
             <a:endParaRPr lang="de-DE"/>
           </a:p>
@@ -3774,25 +3828,10 @@
               <a:defRPr/>
             </a:pPr>
             <a:r>
-              <a:rPr lang="de-DE" dirty="0"/>
-              <a:t>Prof. Dr. Achim Rettberg – University </a:t>
-            </a:r>
-            <a:r>
-              <a:rPr lang="de-DE" dirty="0" err="1"/>
-              <a:t>of</a:t>
-            </a:r>
-            <a:r>
-              <a:rPr lang="de-DE" dirty="0"/>
-              <a:t> Applied </a:t>
-            </a:r>
-            <a:r>
-              <a:rPr lang="de-DE" dirty="0" err="1"/>
-              <a:t>Sciences</a:t>
-            </a:r>
-            <a:r>
-              <a:rPr lang="de-DE" dirty="0"/>
-              <a:t> Hamm-Lippstadt</a:t>
-            </a:r>
+              <a:rPr lang="en-US"/>
+              <a:t>Michael Jathe  – University of Applied Sciences Hamm-Lippstadt</a:t>
+            </a:r>
+            <a:endParaRPr lang="de-DE" dirty="0"/>
           </a:p>
         </p:txBody>
       </p:sp>
@@ -3820,9 +3859,9 @@
             <a:pPr>
               <a:defRPr/>
             </a:pPr>
-            <a:fld id="{E5DC69DE-E521-EC4C-AFF3-2A6651E3F1AC}" type="datetime1">
+            <a:fld id="{D6AFE8C9-2BA5-4AC7-99D6-FBE25581A885}" type="datetime1">
               <a:rPr lang="de-DE" smtClean="0"/>
-              <a:t>13.07.2020</a:t>
+              <a:t>14.07.2020</a:t>
             </a:fld>
             <a:endParaRPr lang="de-DE"/>
           </a:p>
@@ -4032,25 +4071,10 @@
               <a:defRPr/>
             </a:pPr>
             <a:r>
-              <a:rPr lang="de-DE" dirty="0"/>
-              <a:t>Prof. Dr. Achim Rettberg – University </a:t>
-            </a:r>
-            <a:r>
-              <a:rPr lang="de-DE" dirty="0" err="1"/>
-              <a:t>of</a:t>
-            </a:r>
-            <a:r>
-              <a:rPr lang="de-DE" dirty="0"/>
-              <a:t> Applied </a:t>
-            </a:r>
-            <a:r>
-              <a:rPr lang="de-DE" dirty="0" err="1"/>
-              <a:t>Sciences</a:t>
-            </a:r>
-            <a:r>
-              <a:rPr lang="de-DE" dirty="0"/>
-              <a:t> Hamm-Lippstadt</a:t>
-            </a:r>
+              <a:rPr lang="en-US"/>
+              <a:t>Michael Jathe  – University of Applied Sciences Hamm-Lippstadt</a:t>
+            </a:r>
+            <a:endParaRPr lang="de-DE" dirty="0"/>
           </a:p>
         </p:txBody>
       </p:sp>
@@ -4082,9 +4106,9 @@
             <a:pPr>
               <a:defRPr/>
             </a:pPr>
-            <a:fld id="{D1C5E747-687F-9C49-A498-1184E7908D39}" type="datetime1">
+            <a:fld id="{E382AB62-7194-4BD9-88DD-9078BCE52A14}" type="datetime1">
               <a:rPr lang="de-DE" smtClean="0"/>
-              <a:t>13.07.2020</a:t>
+              <a:t>14.07.2020</a:t>
             </a:fld>
             <a:endParaRPr lang="de-DE"/>
           </a:p>
@@ -4224,25 +4248,10 @@
               <a:defRPr/>
             </a:pPr>
             <a:r>
-              <a:rPr lang="de-DE" dirty="0"/>
-              <a:t>Prof. Dr. Achim Rettberg – University </a:t>
-            </a:r>
-            <a:r>
-              <a:rPr lang="de-DE" dirty="0" err="1"/>
-              <a:t>of</a:t>
-            </a:r>
-            <a:r>
-              <a:rPr lang="de-DE" dirty="0"/>
-              <a:t> Applied </a:t>
-            </a:r>
-            <a:r>
-              <a:rPr lang="de-DE" dirty="0" err="1"/>
-              <a:t>Sciences</a:t>
-            </a:r>
-            <a:r>
-              <a:rPr lang="de-DE" dirty="0"/>
-              <a:t> Hamm-Lippstadt</a:t>
-            </a:r>
+              <a:rPr lang="en-US"/>
+              <a:t>Michael Jathe  – University of Applied Sciences Hamm-Lippstadt</a:t>
+            </a:r>
+            <a:endParaRPr lang="de-DE" dirty="0"/>
           </a:p>
         </p:txBody>
       </p:sp>
@@ -4274,9 +4283,9 @@
             <a:pPr>
               <a:defRPr/>
             </a:pPr>
-            <a:fld id="{8171E94B-46F9-304A-8F0C-ACC28ECEDCF5}" type="datetime1">
+            <a:fld id="{5D251AC8-3EDE-4DC7-8B38-AA66418C106E}" type="datetime1">
               <a:rPr lang="de-DE" smtClean="0"/>
-              <a:t>13.07.2020</a:t>
+              <a:t>14.07.2020</a:t>
             </a:fld>
             <a:endParaRPr lang="de-DE"/>
           </a:p>
@@ -4513,14 +4522,14 @@
           </a:ln>
           <a:extLst>
             <a:ext uri="{909E8E84-426E-40dd-AFC4-6F175D3DCCD1}">
-              <a14:hiddenFill xmlns="" xmlns:a14="http://schemas.microsoft.com/office/drawing/2010/main">
+              <a14:hiddenFill xmlns:a14="http://schemas.microsoft.com/office/drawing/2010/main" xmlns="">
                 <a:solidFill>
                   <a:srgbClr val="FFFFFF"/>
                 </a:solidFill>
               </a14:hiddenFill>
             </a:ext>
             <a:ext uri="{91240B29-F687-4f45-9708-019B960494DF}">
-              <a14:hiddenLine xmlns="" xmlns:a14="http://schemas.microsoft.com/office/drawing/2010/main" w="9525">
+              <a14:hiddenLine xmlns:a14="http://schemas.microsoft.com/office/drawing/2010/main" xmlns="" w="9525">
                 <a:solidFill>
                   <a:srgbClr val="000000"/>
                 </a:solidFill>
@@ -4571,14 +4580,14 @@
           </a:ln>
           <a:extLst>
             <a:ext uri="{909E8E84-426E-40dd-AFC4-6F175D3DCCD1}">
-              <a14:hiddenFill xmlns="" xmlns:a14="http://schemas.microsoft.com/office/drawing/2010/main">
+              <a14:hiddenFill xmlns:a14="http://schemas.microsoft.com/office/drawing/2010/main" xmlns="">
                 <a:solidFill>
                   <a:srgbClr val="FFFFFF"/>
                 </a:solidFill>
               </a14:hiddenFill>
             </a:ext>
             <a:ext uri="{91240B29-F687-4f45-9708-019B960494DF}">
-              <a14:hiddenLine xmlns="" xmlns:a14="http://schemas.microsoft.com/office/drawing/2010/main" w="9525">
+              <a14:hiddenLine xmlns:a14="http://schemas.microsoft.com/office/drawing/2010/main" xmlns="" w="9525">
                 <a:solidFill>
                   <a:srgbClr val="000000"/>
                 </a:solidFill>
@@ -4691,25 +4700,10 @@
               <a:defRPr/>
             </a:pPr>
             <a:r>
-              <a:rPr lang="de-DE" dirty="0"/>
-              <a:t>Prof. Dr. Achim Rettberg – University </a:t>
-            </a:r>
-            <a:r>
-              <a:rPr lang="de-DE" dirty="0" err="1"/>
-              <a:t>of</a:t>
-            </a:r>
-            <a:r>
-              <a:rPr lang="de-DE" dirty="0"/>
-              <a:t> Applied </a:t>
-            </a:r>
-            <a:r>
-              <a:rPr lang="de-DE" dirty="0" err="1"/>
-              <a:t>Sciences</a:t>
-            </a:r>
-            <a:r>
-              <a:rPr lang="de-DE" dirty="0"/>
-              <a:t> Hamm-Lippstadt</a:t>
-            </a:r>
+              <a:rPr lang="en-US"/>
+              <a:t>Michael Jathe  – University of Applied Sciences Hamm-Lippstadt</a:t>
+            </a:r>
+            <a:endParaRPr lang="de-DE" dirty="0"/>
           </a:p>
         </p:txBody>
       </p:sp>
@@ -4815,7 +4809,7 @@
           </a:ln>
           <a:extLst>
             <a:ext uri="{909E8E84-426E-40dd-AFC4-6F175D3DCCD1}">
-              <a14:hiddenFill xmlns="" xmlns:a14="http://schemas.microsoft.com/office/drawing/2010/main">
+              <a14:hiddenFill xmlns:a14="http://schemas.microsoft.com/office/drawing/2010/main" xmlns="">
                 <a:noFill/>
               </a14:hiddenFill>
             </a:ext>
@@ -4886,9 +4880,9 @@
             <a:pPr>
               <a:defRPr/>
             </a:pPr>
-            <a:fld id="{0B2D14DF-C64B-D248-822C-9E9F774E507A}" type="datetime1">
+            <a:fld id="{FEA6945A-ECEA-4C33-BBCC-4A0DFF05312E}" type="datetime1">
               <a:rPr lang="de-DE" noProof="0" smtClean="0"/>
-              <a:t>13.07.2020</a:t>
+              <a:t>14.07.2020</a:t>
             </a:fld>
             <a:endParaRPr lang="de-DE" noProof="0" dirty="0"/>
           </a:p>
@@ -5539,9 +5533,9 @@
             <a:pPr>
               <a:defRPr/>
             </a:pPr>
-            <a:fld id="{BD306EEC-5963-564C-98B6-D7B34F509262}" type="datetime1">
+            <a:fld id="{2BCDB57B-C65A-4572-8DEF-C8096AC053B7}" type="datetime1">
               <a:rPr lang="de-DE" smtClean="0"/>
-              <a:t>13.07.2020</a:t>
+              <a:t>14.07.2020</a:t>
             </a:fld>
             <a:endParaRPr lang="de-DE"/>
           </a:p>
@@ -5566,8 +5560,8 @@
               <a:defRPr/>
             </a:pPr>
             <a:r>
-              <a:rPr lang="de-DE"/>
-              <a:t>Prof. Dr. Achim Rettberg – University of Applied Sciences Hamm-Lippstadt</a:t>
+              <a:rPr lang="en-US"/>
+              <a:t>Michael Jathe  – University of Applied Sciences Hamm-Lippstadt</a:t>
             </a:r>
             <a:endParaRPr lang="de-DE" dirty="0"/>
           </a:p>
@@ -5658,9 +5652,9 @@
             <a:pPr>
               <a:defRPr/>
             </a:pPr>
-            <a:fld id="{EFB6691A-8CC7-5B40-A053-29089FABF493}" type="datetime1">
+            <a:fld id="{AFD5FBE9-CC98-4DE9-8514-E4F30901613C}" type="datetime1">
               <a:rPr lang="de-DE" smtClean="0"/>
-              <a:t>13.07.2020</a:t>
+              <a:t>14.07.2020</a:t>
             </a:fld>
             <a:endParaRPr lang="de-DE"/>
           </a:p>
@@ -5685,8 +5679,8 @@
               <a:defRPr/>
             </a:pPr>
             <a:r>
-              <a:rPr lang="de-DE"/>
-              <a:t>Prof. Dr. Achim Rettberg – University of Applied Sciences Hamm-Lippstadt</a:t>
+              <a:rPr lang="en-US"/>
+              <a:t>Michael Jathe  – University of Applied Sciences Hamm-Lippstadt</a:t>
             </a:r>
             <a:endParaRPr lang="de-DE" dirty="0"/>
           </a:p>
@@ -5882,6 +5876,77 @@
           </a:p>
         </p:txBody>
       </p:sp>
+      <p:pic>
+        <p:nvPicPr>
+          <p:cNvPr id="9" name="Grafik 8" descr="Ein Bild, das Screenshot, Zeichnung enthält.&#10;&#10;Automatisch generierte Beschreibung">
+            <a:extLst>
+              <a:ext uri="{FF2B5EF4-FFF2-40B4-BE49-F238E27FC236}">
+                <a16:creationId xmlns:a16="http://schemas.microsoft.com/office/drawing/2014/main" id="{4D213551-FB4C-4160-BBF8-1CDFEB561E20}"/>
+              </a:ext>
+            </a:extLst>
+          </p:cNvPr>
+          <p:cNvPicPr>
+            <a:picLocks noChangeAspect="1"/>
+          </p:cNvPicPr>
+          <p:nvPr/>
+        </p:nvPicPr>
+        <p:blipFill>
+          <a:blip r:embed="rId4">
+            <a:extLst>
+              <a:ext uri="{28A0092B-C50C-407E-A947-70E740481C1C}">
+                <a14:useLocalDpi xmlns:a14="http://schemas.microsoft.com/office/drawing/2010/main" val="0"/>
+              </a:ext>
+            </a:extLst>
+          </a:blip>
+          <a:stretch>
+            <a:fillRect/>
+          </a:stretch>
+        </p:blipFill>
+        <p:spPr>
+          <a:xfrm>
+            <a:off x="3743908" y="4302024"/>
+            <a:ext cx="5045174" cy="1634129"/>
+          </a:xfrm>
+          <a:prstGeom prst="rect">
+            <a:avLst/>
+          </a:prstGeom>
+        </p:spPr>
+      </p:pic>
+      <p:sp>
+        <p:nvSpPr>
+          <p:cNvPr id="10" name="Textfeld 9">
+            <a:extLst>
+              <a:ext uri="{FF2B5EF4-FFF2-40B4-BE49-F238E27FC236}">
+                <a16:creationId xmlns:a16="http://schemas.microsoft.com/office/drawing/2014/main" id="{58EF19C4-A504-4A5C-A251-6057CD0C009D}"/>
+              </a:ext>
+            </a:extLst>
+          </p:cNvPr>
+          <p:cNvSpPr txBox="1"/>
+          <p:nvPr/>
+        </p:nvSpPr>
+        <p:spPr>
+          <a:xfrm>
+            <a:off x="3650440" y="5948944"/>
+            <a:ext cx="4910202" cy="310341"/>
+          </a:xfrm>
+          <a:prstGeom prst="rect">
+            <a:avLst/>
+          </a:prstGeom>
+          <a:noFill/>
+        </p:spPr>
+        <p:txBody>
+          <a:bodyPr wrap="square" rtlCol="0">
+            <a:spAutoFit/>
+          </a:bodyPr>
+          <a:lstStyle/>
+          <a:p>
+            <a:r>
+              <a:rPr lang="en-US" dirty="0"/>
+              <a:t>Requirement A</a:t>
+            </a:r>
+          </a:p>
+        </p:txBody>
+      </p:sp>
     </p:spTree>
     <p:extLst>
       <p:ext uri="{BB962C8B-B14F-4D97-AF65-F5344CB8AC3E}">
@@ -5930,9 +5995,9 @@
             <a:pPr>
               <a:defRPr/>
             </a:pPr>
-            <a:fld id="{EFB6691A-8CC7-5B40-A053-29089FABF493}" type="datetime1">
+            <a:fld id="{F7EC2C12-D2E8-4857-BB91-A1954690374D}" type="datetime1">
               <a:rPr lang="de-DE" smtClean="0"/>
-              <a:t>13.07.2020</a:t>
+              <a:t>14.07.2020</a:t>
             </a:fld>
             <a:endParaRPr lang="de-DE"/>
           </a:p>
@@ -5957,8 +6022,8 @@
               <a:defRPr/>
             </a:pPr>
             <a:r>
-              <a:rPr lang="de-DE"/>
-              <a:t>Prof. Dr. Achim Rettberg – University of Applied Sciences Hamm-Lippstadt</a:t>
+              <a:rPr lang="en-US"/>
+              <a:t>Michael Jathe  – University of Applied Sciences Hamm-Lippstadt</a:t>
             </a:r>
             <a:endParaRPr lang="de-DE" dirty="0"/>
           </a:p>
@@ -6188,6 +6253,237 @@
       </p:grpSpPr>
       <p:sp>
         <p:nvSpPr>
+          <p:cNvPr id="3" name="Date Placeholder 2"/>
+          <p:cNvSpPr>
+            <a:spLocks noGrp="1"/>
+          </p:cNvSpPr>
+          <p:nvPr>
+            <p:ph type="dt" sz="half" idx="12"/>
+          </p:nvPr>
+        </p:nvSpPr>
+        <p:spPr/>
+        <p:txBody>
+          <a:bodyPr/>
+          <a:lstStyle/>
+          <a:p>
+            <a:pPr>
+              <a:defRPr/>
+            </a:pPr>
+            <a:fld id="{F7EC2C12-D2E8-4857-BB91-A1954690374D}" type="datetime1">
+              <a:rPr lang="de-DE" smtClean="0"/>
+              <a:t>14.07.2020</a:t>
+            </a:fld>
+            <a:endParaRPr lang="de-DE"/>
+          </a:p>
+        </p:txBody>
+      </p:sp>
+      <p:sp>
+        <p:nvSpPr>
+          <p:cNvPr id="4" name="Footer Placeholder 3"/>
+          <p:cNvSpPr>
+            <a:spLocks noGrp="1"/>
+          </p:cNvSpPr>
+          <p:nvPr>
+            <p:ph type="ftr" sz="quarter" idx="10"/>
+          </p:nvPr>
+        </p:nvSpPr>
+        <p:spPr/>
+        <p:txBody>
+          <a:bodyPr/>
+          <a:lstStyle/>
+          <a:p>
+            <a:pPr>
+              <a:defRPr/>
+            </a:pPr>
+            <a:r>
+              <a:rPr lang="en-US"/>
+              <a:t>Michael Jathe  – University of Applied Sciences Hamm-Lippstadt</a:t>
+            </a:r>
+            <a:endParaRPr lang="de-DE" dirty="0"/>
+          </a:p>
+        </p:txBody>
+      </p:sp>
+      <p:sp>
+        <p:nvSpPr>
+          <p:cNvPr id="5" name="Slide Number Placeholder 4"/>
+          <p:cNvSpPr>
+            <a:spLocks noGrp="1"/>
+          </p:cNvSpPr>
+          <p:nvPr>
+            <p:ph type="sldNum" sz="quarter" idx="4"/>
+          </p:nvPr>
+        </p:nvSpPr>
+        <p:spPr/>
+        <p:txBody>
+          <a:bodyPr/>
+          <a:lstStyle/>
+          <a:p>
+            <a:pPr>
+              <a:defRPr/>
+            </a:pPr>
+            <a:r>
+              <a:rPr lang="de-DE"/>
+              <a:t>&lt; </a:t>
+            </a:r>
+            <a:fld id="{1A61C92B-C297-4AC9-B551-2D8A658A0122}" type="slidenum">
+              <a:rPr lang="de-DE" smtClean="0"/>
+              <a:pPr>
+                <a:defRPr/>
+              </a:pPr>
+              <a:t>12</a:t>
+            </a:fld>
+            <a:r>
+              <a:rPr lang="de-DE"/>
+              <a:t> &gt;</a:t>
+            </a:r>
+            <a:endParaRPr lang="de-DE" dirty="0"/>
+          </a:p>
+        </p:txBody>
+      </p:sp>
+      <p:sp>
+        <p:nvSpPr>
+          <p:cNvPr id="6" name="object 2"/>
+          <p:cNvSpPr txBox="1"/>
+          <p:nvPr/>
+        </p:nvSpPr>
+        <p:spPr>
+          <a:xfrm>
+            <a:off x="323528" y="116632"/>
+            <a:ext cx="5688632" cy="436017"/>
+          </a:xfrm>
+          <a:prstGeom prst="rect">
+            <a:avLst/>
+          </a:prstGeom>
+        </p:spPr>
+        <p:txBody>
+          <a:bodyPr vert="horz" wrap="square" lIns="0" tIns="0" rIns="0" bIns="0" rtlCol="0">
+            <a:spAutoFit/>
+          </a:bodyPr>
+          <a:lstStyle/>
+          <a:p>
+            <a:pPr marL="8929" marR="3572">
+              <a:lnSpc>
+                <a:spcPts val="3375"/>
+              </a:lnSpc>
+            </a:pPr>
+            <a:r>
+              <a:rPr lang="de-DE" sz="3200" dirty="0" err="1">
+                <a:latin typeface="Arial"/>
+                <a:cs typeface="Arial"/>
+              </a:rPr>
+              <a:t>Positions</a:t>
+            </a:r>
+            <a:endParaRPr sz="3000" dirty="0">
+              <a:latin typeface="Arial"/>
+              <a:cs typeface="Arial"/>
+            </a:endParaRPr>
+          </a:p>
+        </p:txBody>
+      </p:sp>
+      <p:pic>
+        <p:nvPicPr>
+          <p:cNvPr id="9" name="Grafik 8" descr="Ein Bild, das Text, Karte enthält.&#10;&#10;Automatisch generierte Beschreibung">
+            <a:extLst>
+              <a:ext uri="{FF2B5EF4-FFF2-40B4-BE49-F238E27FC236}">
+                <a16:creationId xmlns:a16="http://schemas.microsoft.com/office/drawing/2014/main" id="{92C809A0-F249-4B3D-8CC7-D17AA8798036}"/>
+              </a:ext>
+            </a:extLst>
+          </p:cNvPr>
+          <p:cNvPicPr>
+            <a:picLocks noChangeAspect="1"/>
+          </p:cNvPicPr>
+          <p:nvPr/>
+        </p:nvPicPr>
+        <p:blipFill>
+          <a:blip r:embed="rId3" cstate="print">
+            <a:extLst>
+              <a:ext uri="{28A0092B-C50C-407E-A947-70E740481C1C}">
+                <a14:useLocalDpi xmlns:a14="http://schemas.microsoft.com/office/drawing/2010/main" val="0"/>
+              </a:ext>
+            </a:extLst>
+          </a:blip>
+          <a:stretch>
+            <a:fillRect/>
+          </a:stretch>
+        </p:blipFill>
+        <p:spPr>
+          <a:xfrm>
+            <a:off x="5521598" y="1448780"/>
+            <a:ext cx="3403332" cy="3661404"/>
+          </a:xfrm>
+          <a:prstGeom prst="rect">
+            <a:avLst/>
+          </a:prstGeom>
+        </p:spPr>
+      </p:pic>
+      <p:pic>
+        <p:nvPicPr>
+          <p:cNvPr id="11" name="Grafik 10">
+            <a:extLst>
+              <a:ext uri="{FF2B5EF4-FFF2-40B4-BE49-F238E27FC236}">
+                <a16:creationId xmlns:a16="http://schemas.microsoft.com/office/drawing/2014/main" id="{20AFEFC5-600E-467A-8945-F0649CF8DFCD}"/>
+              </a:ext>
+            </a:extLst>
+          </p:cNvPr>
+          <p:cNvPicPr>
+            <a:picLocks noChangeAspect="1"/>
+          </p:cNvPicPr>
+          <p:nvPr/>
+        </p:nvPicPr>
+        <p:blipFill>
+          <a:blip r:embed="rId4">
+            <a:extLst>
+              <a:ext uri="{28A0092B-C50C-407E-A947-70E740481C1C}">
+                <a14:useLocalDpi xmlns:a14="http://schemas.microsoft.com/office/drawing/2010/main" val="0"/>
+              </a:ext>
+            </a:extLst>
+          </a:blip>
+          <a:stretch>
+            <a:fillRect/>
+          </a:stretch>
+        </p:blipFill>
+        <p:spPr>
+          <a:xfrm>
+            <a:off x="900906" y="1268760"/>
+            <a:ext cx="2952750" cy="3619500"/>
+          </a:xfrm>
+          <a:prstGeom prst="rect">
+            <a:avLst/>
+          </a:prstGeom>
+        </p:spPr>
+      </p:pic>
+    </p:spTree>
+    <p:extLst>
+      <p:ext uri="{BB962C8B-B14F-4D97-AF65-F5344CB8AC3E}">
+        <p14:creationId xmlns:p14="http://schemas.microsoft.com/office/powerpoint/2010/main" val="1612464843"/>
+      </p:ext>
+    </p:extLst>
+  </p:cSld>
+  <p:clrMapOvr>
+    <a:masterClrMapping/>
+  </p:clrMapOvr>
+</p:sld>
+</file>
+
+<file path=ppt/slides/slide13.xml><?xml version="1.0" encoding="utf-8"?>
+<p:sld xmlns:a="http://schemas.openxmlformats.org/drawingml/2006/main" xmlns:r="http://schemas.openxmlformats.org/officeDocument/2006/relationships" xmlns:p="http://schemas.openxmlformats.org/presentationml/2006/main">
+  <p:cSld>
+    <p:spTree>
+      <p:nvGrpSpPr>
+        <p:cNvPr id="1" name=""/>
+        <p:cNvGrpSpPr/>
+        <p:nvPr/>
+      </p:nvGrpSpPr>
+      <p:grpSpPr>
+        <a:xfrm>
+          <a:off x="0" y="0"/>
+          <a:ext cx="0" cy="0"/>
+          <a:chOff x="0" y="0"/>
+          <a:chExt cx="0" cy="0"/>
+        </a:xfrm>
+      </p:grpSpPr>
+      <p:sp>
+        <p:nvSpPr>
           <p:cNvPr id="2" name="object 2"/>
           <p:cNvSpPr txBox="1"/>
           <p:nvPr/>
@@ -6195,7 +6491,7 @@
         <p:spPr>
           <a:xfrm>
             <a:off x="647564" y="1192577"/>
-            <a:ext cx="8316924" cy="607859"/>
+            <a:ext cx="8316924" cy="1000274"/>
           </a:xfrm>
           <a:prstGeom prst="rect">
             <a:avLst/>
@@ -6219,15 +6515,40 @@
                 <a:latin typeface="Arial"/>
                 <a:cs typeface="Arial"/>
               </a:rPr>
-              <a:t>…</a:t>
-            </a:r>
-          </a:p>
-          <a:p>
-            <a:pPr marL="8929">
+              <a:t>working concept</a:t>
+            </a:r>
+          </a:p>
+          <a:p>
+            <a:pPr marL="294679" indent="-285750">
               <a:lnSpc>
                 <a:spcPct val="100000"/>
               </a:lnSpc>
+              <a:buFont typeface="Arial" charset="0"/>
+              <a:buChar char="•"/>
             </a:pPr>
+            <a:r>
+              <a:rPr lang="en-US" sz="2000" dirty="0">
+                <a:latin typeface="Arial"/>
+                <a:cs typeface="Arial"/>
+              </a:rPr>
+              <a:t>data structure could be improved</a:t>
+            </a:r>
+          </a:p>
+          <a:p>
+            <a:pPr marL="294679" indent="-285750">
+              <a:lnSpc>
+                <a:spcPct val="100000"/>
+              </a:lnSpc>
+              <a:buFont typeface="Arial" charset="0"/>
+              <a:buChar char="•"/>
+            </a:pPr>
+            <a:r>
+              <a:rPr lang="en-US" sz="2000" dirty="0">
+                <a:latin typeface="Arial"/>
+                <a:cs typeface="Arial"/>
+              </a:rPr>
+              <a:t>data security should be improved (encryption)</a:t>
+            </a:r>
             <a:endParaRPr lang="en-US" sz="1700" dirty="0">
               <a:latin typeface="Arial"/>
               <a:cs typeface="Arial"/>
@@ -6253,9 +6574,9 @@
             <a:pPr>
               <a:defRPr/>
             </a:pPr>
-            <a:fld id="{EFB6691A-8CC7-5B40-A053-29089FABF493}" type="datetime1">
+            <a:fld id="{272014DF-BE05-4D9F-8236-D0760F697430}" type="datetime1">
               <a:rPr lang="de-DE" smtClean="0"/>
-              <a:t>13.07.2020</a:t>
+              <a:t>14.07.2020</a:t>
             </a:fld>
             <a:endParaRPr lang="de-DE"/>
           </a:p>
@@ -6280,8 +6601,8 @@
               <a:defRPr/>
             </a:pPr>
             <a:r>
-              <a:rPr lang="de-DE"/>
-              <a:t>Prof. Dr. Achim Rettberg – University of Applied Sciences Hamm-Lippstadt</a:t>
+              <a:rPr lang="en-US"/>
+              <a:t>Michael Jathe  – University of Applied Sciences Hamm-Lippstadt</a:t>
             </a:r>
             <a:endParaRPr lang="de-DE" dirty="0"/>
           </a:p>
@@ -6314,7 +6635,7 @@
               <a:pPr>
                 <a:defRPr/>
               </a:pPr>
-              <a:t>12</a:t>
+              <a:t>13</a:t>
             </a:fld>
             <a:r>
               <a:rPr lang="de-DE"/>
@@ -6360,6 +6681,736 @@
           </a:p>
         </p:txBody>
       </p:sp>
+      <p:graphicFrame>
+        <p:nvGraphicFramePr>
+          <p:cNvPr id="10" name="Tabelle 8">
+            <a:extLst>
+              <a:ext uri="{FF2B5EF4-FFF2-40B4-BE49-F238E27FC236}">
+                <a16:creationId xmlns:a16="http://schemas.microsoft.com/office/drawing/2014/main" id="{D54BCCF4-CFA1-446E-B6EF-AEF2AE807723}"/>
+              </a:ext>
+            </a:extLst>
+          </p:cNvPr>
+          <p:cNvGraphicFramePr>
+            <a:graphicFrameLocks noGrp="1"/>
+          </p:cNvGraphicFramePr>
+          <p:nvPr>
+            <p:extLst>
+              <p:ext uri="{D42A27DB-BD31-4B8C-83A1-F6EECF244321}">
+                <p14:modId xmlns:p14="http://schemas.microsoft.com/office/powerpoint/2010/main" val="734369182"/>
+              </p:ext>
+            </p:extLst>
+          </p:nvPr>
+        </p:nvGraphicFramePr>
+        <p:xfrm>
+          <a:off x="503548" y="2314646"/>
+          <a:ext cx="7560840" cy="4140458"/>
+        </p:xfrm>
+        <a:graphic>
+          <a:graphicData uri="http://schemas.openxmlformats.org/drawingml/2006/table">
+            <a:tbl>
+              <a:tblPr firstRow="1" bandRow="1">
+                <a:tableStyleId>{93296810-A885-4BE3-A3E7-6D5BEEA58F35}</a:tableStyleId>
+              </a:tblPr>
+              <a:tblGrid>
+                <a:gridCol w="490897">
+                  <a:extLst>
+                    <a:ext uri="{9D8B030D-6E8A-4147-A177-3AD203B41FA5}">
+                      <a16:colId xmlns:a16="http://schemas.microsoft.com/office/drawing/2014/main" val="1053095866"/>
+                    </a:ext>
+                  </a:extLst>
+                </a:gridCol>
+                <a:gridCol w="3289524">
+                  <a:extLst>
+                    <a:ext uri="{9D8B030D-6E8A-4147-A177-3AD203B41FA5}">
+                      <a16:colId xmlns:a16="http://schemas.microsoft.com/office/drawing/2014/main" val="1554721259"/>
+                    </a:ext>
+                  </a:extLst>
+                </a:gridCol>
+                <a:gridCol w="2842249">
+                  <a:extLst>
+                    <a:ext uri="{9D8B030D-6E8A-4147-A177-3AD203B41FA5}">
+                      <a16:colId xmlns:a16="http://schemas.microsoft.com/office/drawing/2014/main" val="2854490502"/>
+                    </a:ext>
+                  </a:extLst>
+                </a:gridCol>
+                <a:gridCol w="938170">
+                  <a:extLst>
+                    <a:ext uri="{9D8B030D-6E8A-4147-A177-3AD203B41FA5}">
+                      <a16:colId xmlns:a16="http://schemas.microsoft.com/office/drawing/2014/main" val="3483355327"/>
+                    </a:ext>
+                  </a:extLst>
+                </a:gridCol>
+              </a:tblGrid>
+              <a:tr h="345038">
+                <a:tc>
+                  <a:txBody>
+                    <a:bodyPr/>
+                    <a:lstStyle/>
+                    <a:p>
+                      <a:r>
+                        <a:rPr lang="de-DE" sz="1600" dirty="0"/>
+                        <a:t>ID</a:t>
+                      </a:r>
+                    </a:p>
+                  </a:txBody>
+                  <a:tcPr/>
+                </a:tc>
+                <a:tc>
+                  <a:txBody>
+                    <a:bodyPr/>
+                    <a:lstStyle/>
+                    <a:p>
+                      <a:r>
+                        <a:rPr lang="de-DE" sz="1600" dirty="0"/>
+                        <a:t>Name</a:t>
+                      </a:r>
+                    </a:p>
+                  </a:txBody>
+                  <a:tcPr/>
+                </a:tc>
+                <a:tc>
+                  <a:txBody>
+                    <a:bodyPr/>
+                    <a:lstStyle/>
+                    <a:p>
+                      <a:r>
+                        <a:rPr lang="de-DE" sz="1600" dirty="0"/>
+                        <a:t>Type</a:t>
+                      </a:r>
+                    </a:p>
+                  </a:txBody>
+                  <a:tcPr/>
+                </a:tc>
+                <a:tc>
+                  <a:txBody>
+                    <a:bodyPr/>
+                    <a:lstStyle/>
+                    <a:p>
+                      <a:r>
+                        <a:rPr lang="de-DE" sz="1600" dirty="0" err="1"/>
+                        <a:t>fulfilled</a:t>
+                      </a:r>
+                      <a:endParaRPr lang="de-DE" sz="1600" dirty="0"/>
+                    </a:p>
+                  </a:txBody>
+                  <a:tcPr/>
+                </a:tc>
+                <a:extLst>
+                  <a:ext uri="{0D108BD9-81ED-4DB2-BD59-A6C34878D82A}">
+                    <a16:rowId xmlns:a16="http://schemas.microsoft.com/office/drawing/2014/main" val="2099431674"/>
+                  </a:ext>
+                </a:extLst>
+              </a:tr>
+              <a:tr h="345038">
+                <a:tc>
+                  <a:txBody>
+                    <a:bodyPr/>
+                    <a:lstStyle/>
+                    <a:p>
+                      <a:r>
+                        <a:rPr lang="de-DE" sz="1600" dirty="0"/>
+                        <a:t>A</a:t>
+                      </a:r>
+                    </a:p>
+                  </a:txBody>
+                  <a:tcPr/>
+                </a:tc>
+                <a:tc>
+                  <a:txBody>
+                    <a:bodyPr/>
+                    <a:lstStyle/>
+                    <a:p>
+                      <a:r>
+                        <a:rPr lang="de-DE" sz="1600" dirty="0" err="1"/>
+                        <a:t>detect</a:t>
+                      </a:r>
+                      <a:r>
+                        <a:rPr lang="de-DE" sz="1600" dirty="0"/>
+                        <a:t> </a:t>
+                      </a:r>
+                      <a:r>
+                        <a:rPr lang="de-DE" sz="1600" dirty="0" err="1"/>
+                        <a:t>disconnections</a:t>
+                      </a:r>
+                      <a:endParaRPr lang="de-DE" sz="1600" dirty="0"/>
+                    </a:p>
+                  </a:txBody>
+                  <a:tcPr/>
+                </a:tc>
+                <a:tc>
+                  <a:txBody>
+                    <a:bodyPr/>
+                    <a:lstStyle/>
+                    <a:p>
+                      <a:r>
+                        <a:rPr lang="de-DE" sz="1600" dirty="0" err="1"/>
+                        <a:t>functional</a:t>
+                      </a:r>
+                      <a:endParaRPr lang="de-DE" sz="1600" dirty="0"/>
+                    </a:p>
+                  </a:txBody>
+                  <a:tcPr/>
+                </a:tc>
+                <a:tc>
+                  <a:txBody>
+                    <a:bodyPr/>
+                    <a:lstStyle/>
+                    <a:p>
+                      <a:r>
+                        <a:rPr lang="de-DE" sz="1600" dirty="0"/>
+                        <a:t>x</a:t>
+                      </a:r>
+                    </a:p>
+                  </a:txBody>
+                  <a:tcPr/>
+                </a:tc>
+                <a:extLst>
+                  <a:ext uri="{0D108BD9-81ED-4DB2-BD59-A6C34878D82A}">
+                    <a16:rowId xmlns:a16="http://schemas.microsoft.com/office/drawing/2014/main" val="615655896"/>
+                  </a:ext>
+                </a:extLst>
+              </a:tr>
+              <a:tr h="603817">
+                <a:tc>
+                  <a:txBody>
+                    <a:bodyPr/>
+                    <a:lstStyle/>
+                    <a:p>
+                      <a:r>
+                        <a:rPr lang="de-DE" sz="1600" dirty="0"/>
+                        <a:t>A.1</a:t>
+                      </a:r>
+                    </a:p>
+                  </a:txBody>
+                  <a:tcPr/>
+                </a:tc>
+                <a:tc>
+                  <a:txBody>
+                    <a:bodyPr/>
+                    <a:lstStyle/>
+                    <a:p>
+                      <a:r>
+                        <a:rPr lang="de-DE" sz="1600" dirty="0" err="1"/>
+                        <a:t>store</a:t>
+                      </a:r>
+                      <a:r>
+                        <a:rPr lang="de-DE" sz="1600" dirty="0"/>
+                        <a:t> </a:t>
+                      </a:r>
+                      <a:r>
+                        <a:rPr lang="de-DE" sz="1600" dirty="0" err="1"/>
+                        <a:t>data</a:t>
+                      </a:r>
+                      <a:r>
+                        <a:rPr lang="de-DE" sz="1600" dirty="0"/>
+                        <a:t> </a:t>
+                      </a:r>
+                      <a:r>
+                        <a:rPr lang="de-DE" sz="1600" dirty="0" err="1"/>
+                        <a:t>until</a:t>
+                      </a:r>
+                      <a:r>
+                        <a:rPr lang="de-DE" sz="1600" dirty="0"/>
+                        <a:t> </a:t>
+                      </a:r>
+                      <a:r>
+                        <a:rPr lang="de-DE" sz="1600" dirty="0" err="1"/>
+                        <a:t>reconnect</a:t>
+                      </a:r>
+                      <a:endParaRPr lang="de-DE" sz="1600" dirty="0"/>
+                    </a:p>
+                  </a:txBody>
+                  <a:tcPr/>
+                </a:tc>
+                <a:tc>
+                  <a:txBody>
+                    <a:bodyPr/>
+                    <a:lstStyle/>
+                    <a:p>
+                      <a:r>
+                        <a:rPr lang="de-DE" sz="1600" dirty="0" err="1"/>
+                        <a:t>functional</a:t>
+                      </a:r>
+                      <a:endParaRPr lang="de-DE" sz="1600" dirty="0"/>
+                    </a:p>
+                  </a:txBody>
+                  <a:tcPr/>
+                </a:tc>
+                <a:tc>
+                  <a:txBody>
+                    <a:bodyPr/>
+                    <a:lstStyle/>
+                    <a:p>
+                      <a:r>
+                        <a:rPr lang="de-DE" sz="1600" dirty="0"/>
+                        <a:t>x</a:t>
+                      </a:r>
+                    </a:p>
+                  </a:txBody>
+                  <a:tcPr/>
+                </a:tc>
+                <a:extLst>
+                  <a:ext uri="{0D108BD9-81ED-4DB2-BD59-A6C34878D82A}">
+                    <a16:rowId xmlns:a16="http://schemas.microsoft.com/office/drawing/2014/main" val="2830347803"/>
+                  </a:ext>
+                </a:extLst>
+              </a:tr>
+              <a:tr h="345038">
+                <a:tc>
+                  <a:txBody>
+                    <a:bodyPr/>
+                    <a:lstStyle/>
+                    <a:p>
+                      <a:r>
+                        <a:rPr lang="de-DE" sz="1600" dirty="0"/>
+                        <a:t>B</a:t>
+                      </a:r>
+                    </a:p>
+                  </a:txBody>
+                  <a:tcPr/>
+                </a:tc>
+                <a:tc>
+                  <a:txBody>
+                    <a:bodyPr/>
+                    <a:lstStyle/>
+                    <a:p>
+                      <a:r>
+                        <a:rPr lang="de-DE" sz="1600" dirty="0" err="1"/>
+                        <a:t>local</a:t>
+                      </a:r>
+                      <a:r>
+                        <a:rPr lang="de-DE" sz="1600" dirty="0"/>
+                        <a:t> MQTT </a:t>
+                      </a:r>
+                      <a:r>
+                        <a:rPr lang="de-DE" sz="1600" dirty="0" err="1"/>
+                        <a:t>broker</a:t>
+                      </a:r>
+                      <a:endParaRPr lang="de-DE" sz="1600" dirty="0"/>
+                    </a:p>
+                  </a:txBody>
+                  <a:tcPr/>
+                </a:tc>
+                <a:tc>
+                  <a:txBody>
+                    <a:bodyPr/>
+                    <a:lstStyle/>
+                    <a:p>
+                      <a:r>
+                        <a:rPr lang="de-DE" sz="1600" dirty="0"/>
+                        <a:t>Non-</a:t>
+                      </a:r>
+                      <a:r>
+                        <a:rPr lang="de-DE" sz="1600" dirty="0" err="1"/>
+                        <a:t>functional</a:t>
+                      </a:r>
+                      <a:endParaRPr lang="de-DE" sz="1600" dirty="0"/>
+                    </a:p>
+                  </a:txBody>
+                  <a:tcPr/>
+                </a:tc>
+                <a:tc>
+                  <a:txBody>
+                    <a:bodyPr/>
+                    <a:lstStyle/>
+                    <a:p>
+                      <a:r>
+                        <a:rPr lang="de-DE" sz="1600" dirty="0"/>
+                        <a:t>x</a:t>
+                      </a:r>
+                    </a:p>
+                  </a:txBody>
+                  <a:tcPr/>
+                </a:tc>
+                <a:extLst>
+                  <a:ext uri="{0D108BD9-81ED-4DB2-BD59-A6C34878D82A}">
+                    <a16:rowId xmlns:a16="http://schemas.microsoft.com/office/drawing/2014/main" val="4082361164"/>
+                  </a:ext>
+                </a:extLst>
+              </a:tr>
+              <a:tr h="345038">
+                <a:tc>
+                  <a:txBody>
+                    <a:bodyPr/>
+                    <a:lstStyle/>
+                    <a:p>
+                      <a:r>
+                        <a:rPr lang="de-DE" sz="1600" dirty="0"/>
+                        <a:t>C</a:t>
+                      </a:r>
+                    </a:p>
+                  </a:txBody>
+                  <a:tcPr/>
+                </a:tc>
+                <a:tc>
+                  <a:txBody>
+                    <a:bodyPr/>
+                    <a:lstStyle/>
+                    <a:p>
+                      <a:r>
+                        <a:rPr lang="de-DE" sz="1600" dirty="0"/>
+                        <a:t>All </a:t>
+                      </a:r>
+                      <a:r>
+                        <a:rPr lang="de-DE" sz="1600" dirty="0" err="1"/>
+                        <a:t>data</a:t>
+                      </a:r>
+                      <a:r>
+                        <a:rPr lang="de-DE" sz="1600" dirty="0"/>
+                        <a:t> </a:t>
+                      </a:r>
+                      <a:r>
+                        <a:rPr lang="de-DE" sz="1600" dirty="0" err="1"/>
+                        <a:t>guarantee</a:t>
+                      </a:r>
+                      <a:endParaRPr lang="de-DE" sz="1600" dirty="0"/>
+                    </a:p>
+                  </a:txBody>
+                  <a:tcPr/>
+                </a:tc>
+                <a:tc>
+                  <a:txBody>
+                    <a:bodyPr/>
+                    <a:lstStyle/>
+                    <a:p>
+                      <a:r>
+                        <a:rPr lang="de-DE" sz="1600" dirty="0" err="1"/>
+                        <a:t>functional</a:t>
+                      </a:r>
+                      <a:endParaRPr lang="de-DE" sz="1600" dirty="0"/>
+                    </a:p>
+                  </a:txBody>
+                  <a:tcPr/>
+                </a:tc>
+                <a:tc>
+                  <a:txBody>
+                    <a:bodyPr/>
+                    <a:lstStyle/>
+                    <a:p>
+                      <a:r>
+                        <a:rPr lang="de-DE" sz="1600" dirty="0"/>
+                        <a:t>x</a:t>
+                      </a:r>
+                    </a:p>
+                  </a:txBody>
+                  <a:tcPr/>
+                </a:tc>
+                <a:extLst>
+                  <a:ext uri="{0D108BD9-81ED-4DB2-BD59-A6C34878D82A}">
+                    <a16:rowId xmlns:a16="http://schemas.microsoft.com/office/drawing/2014/main" val="2442355817"/>
+                  </a:ext>
+                </a:extLst>
+              </a:tr>
+              <a:tr h="345038">
+                <a:tc>
+                  <a:txBody>
+                    <a:bodyPr/>
+                    <a:lstStyle/>
+                    <a:p>
+                      <a:r>
+                        <a:rPr lang="de-DE" sz="1600" dirty="0"/>
+                        <a:t>D</a:t>
+                      </a:r>
+                    </a:p>
+                  </a:txBody>
+                  <a:tcPr/>
+                </a:tc>
+                <a:tc>
+                  <a:txBody>
+                    <a:bodyPr/>
+                    <a:lstStyle/>
+                    <a:p>
+                      <a:r>
+                        <a:rPr lang="de-DE" sz="1600" dirty="0"/>
+                        <a:t>Use MQTT</a:t>
+                      </a:r>
+                    </a:p>
+                  </a:txBody>
+                  <a:tcPr/>
+                </a:tc>
+                <a:tc>
+                  <a:txBody>
+                    <a:bodyPr/>
+                    <a:lstStyle/>
+                    <a:p>
+                      <a:r>
+                        <a:rPr lang="de-DE" sz="1600" dirty="0"/>
+                        <a:t>Non-</a:t>
+                      </a:r>
+                      <a:r>
+                        <a:rPr lang="de-DE" sz="1600" dirty="0" err="1"/>
+                        <a:t>functional</a:t>
+                      </a:r>
+                      <a:endParaRPr lang="de-DE" sz="1600" dirty="0"/>
+                    </a:p>
+                  </a:txBody>
+                  <a:tcPr/>
+                </a:tc>
+                <a:tc>
+                  <a:txBody>
+                    <a:bodyPr/>
+                    <a:lstStyle/>
+                    <a:p>
+                      <a:r>
+                        <a:rPr lang="de-DE" sz="1600" dirty="0"/>
+                        <a:t>x</a:t>
+                      </a:r>
+                    </a:p>
+                  </a:txBody>
+                  <a:tcPr/>
+                </a:tc>
+                <a:extLst>
+                  <a:ext uri="{0D108BD9-81ED-4DB2-BD59-A6C34878D82A}">
+                    <a16:rowId xmlns:a16="http://schemas.microsoft.com/office/drawing/2014/main" val="818191665"/>
+                  </a:ext>
+                </a:extLst>
+              </a:tr>
+              <a:tr h="603817">
+                <a:tc>
+                  <a:txBody>
+                    <a:bodyPr/>
+                    <a:lstStyle/>
+                    <a:p>
+                      <a:pPr algn="l"/>
+                      <a:r>
+                        <a:rPr lang="de-DE" sz="1600" dirty="0"/>
+                        <a:t>E</a:t>
+                      </a:r>
+                    </a:p>
+                  </a:txBody>
+                  <a:tcPr/>
+                </a:tc>
+                <a:tc>
+                  <a:txBody>
+                    <a:bodyPr/>
+                    <a:lstStyle/>
+                    <a:p>
+                      <a:r>
+                        <a:rPr lang="de-DE" sz="1600" dirty="0"/>
+                        <a:t>Send </a:t>
+                      </a:r>
+                      <a:r>
+                        <a:rPr lang="de-DE" sz="1600" dirty="0" err="1"/>
+                        <a:t>stored</a:t>
+                      </a:r>
+                      <a:r>
+                        <a:rPr lang="de-DE" sz="1600" dirty="0"/>
+                        <a:t> </a:t>
+                      </a:r>
+                      <a:r>
+                        <a:rPr lang="de-DE" sz="1600" dirty="0" err="1"/>
+                        <a:t>data</a:t>
+                      </a:r>
+                      <a:r>
+                        <a:rPr lang="de-DE" sz="1600" dirty="0"/>
+                        <a:t> after </a:t>
+                      </a:r>
+                      <a:r>
+                        <a:rPr lang="de-DE" sz="1600" dirty="0" err="1"/>
+                        <a:t>reconnection</a:t>
+                      </a:r>
+                      <a:endParaRPr lang="de-DE" sz="1600" dirty="0"/>
+                    </a:p>
+                  </a:txBody>
+                  <a:tcPr/>
+                </a:tc>
+                <a:tc>
+                  <a:txBody>
+                    <a:bodyPr/>
+                    <a:lstStyle/>
+                    <a:p>
+                      <a:r>
+                        <a:rPr lang="de-DE" sz="1600" dirty="0" err="1"/>
+                        <a:t>functional</a:t>
+                      </a:r>
+                      <a:endParaRPr lang="de-DE" sz="1600" dirty="0"/>
+                    </a:p>
+                  </a:txBody>
+                  <a:tcPr/>
+                </a:tc>
+                <a:tc>
+                  <a:txBody>
+                    <a:bodyPr/>
+                    <a:lstStyle/>
+                    <a:p>
+                      <a:r>
+                        <a:rPr lang="de-DE" sz="1600" dirty="0"/>
+                        <a:t>x</a:t>
+                      </a:r>
+                    </a:p>
+                  </a:txBody>
+                  <a:tcPr/>
+                </a:tc>
+                <a:extLst>
+                  <a:ext uri="{0D108BD9-81ED-4DB2-BD59-A6C34878D82A}">
+                    <a16:rowId xmlns:a16="http://schemas.microsoft.com/office/drawing/2014/main" val="3275013580"/>
+                  </a:ext>
+                </a:extLst>
+              </a:tr>
+              <a:tr h="603817">
+                <a:tc>
+                  <a:txBody>
+                    <a:bodyPr/>
+                    <a:lstStyle/>
+                    <a:p>
+                      <a:pPr algn="l"/>
+                      <a:r>
+                        <a:rPr lang="de-DE" sz="1600" dirty="0"/>
+                        <a:t>F</a:t>
+                      </a:r>
+                    </a:p>
+                  </a:txBody>
+                  <a:tcPr/>
+                </a:tc>
+                <a:tc>
+                  <a:txBody>
+                    <a:bodyPr/>
+                    <a:lstStyle/>
+                    <a:p>
+                      <a:r>
+                        <a:rPr lang="en-US" sz="1600" dirty="0"/>
+                        <a:t>Vehicle can register with the smart city server.</a:t>
+                      </a:r>
+                      <a:endParaRPr lang="de-DE" sz="1600" dirty="0"/>
+                    </a:p>
+                  </a:txBody>
+                  <a:tcPr/>
+                </a:tc>
+                <a:tc>
+                  <a:txBody>
+                    <a:bodyPr/>
+                    <a:lstStyle/>
+                    <a:p>
+                      <a:r>
+                        <a:rPr lang="de-DE" sz="1600" dirty="0" err="1"/>
+                        <a:t>functional</a:t>
+                      </a:r>
+                      <a:endParaRPr lang="de-DE" sz="1600" dirty="0"/>
+                    </a:p>
+                  </a:txBody>
+                  <a:tcPr/>
+                </a:tc>
+                <a:tc>
+                  <a:txBody>
+                    <a:bodyPr/>
+                    <a:lstStyle/>
+                    <a:p>
+                      <a:r>
+                        <a:rPr lang="de-DE" sz="1600" dirty="0"/>
+                        <a:t>x</a:t>
+                      </a:r>
+                    </a:p>
+                  </a:txBody>
+                  <a:tcPr/>
+                </a:tc>
+                <a:extLst>
+                  <a:ext uri="{0D108BD9-81ED-4DB2-BD59-A6C34878D82A}">
+                    <a16:rowId xmlns:a16="http://schemas.microsoft.com/office/drawing/2014/main" val="1145180698"/>
+                  </a:ext>
+                </a:extLst>
+              </a:tr>
+              <a:tr h="603817">
+                <a:tc>
+                  <a:txBody>
+                    <a:bodyPr/>
+                    <a:lstStyle/>
+                    <a:p>
+                      <a:pPr algn="l"/>
+                      <a:r>
+                        <a:rPr lang="de-DE" sz="1600" dirty="0"/>
+                        <a:t>G</a:t>
+                      </a:r>
+                    </a:p>
+                  </a:txBody>
+                  <a:tcPr/>
+                </a:tc>
+                <a:tc>
+                  <a:txBody>
+                    <a:bodyPr/>
+                    <a:lstStyle/>
+                    <a:p>
+                      <a:r>
+                        <a:rPr lang="de-DE" sz="1600" dirty="0"/>
+                        <a:t>Send </a:t>
+                      </a:r>
+                      <a:r>
+                        <a:rPr lang="de-DE" sz="1600" dirty="0" err="1"/>
+                        <a:t>ermergency</a:t>
+                      </a:r>
+                      <a:r>
+                        <a:rPr lang="de-DE" sz="1600" dirty="0"/>
+                        <a:t> </a:t>
+                      </a:r>
+                      <a:r>
+                        <a:rPr lang="de-DE" sz="1600" dirty="0" err="1"/>
+                        <a:t>calls</a:t>
+                      </a:r>
+                      <a:r>
+                        <a:rPr lang="de-DE" sz="1600" dirty="0"/>
+                        <a:t> </a:t>
+                      </a:r>
+                      <a:r>
+                        <a:rPr lang="de-DE" sz="1600" dirty="0" err="1"/>
+                        <a:t>to</a:t>
+                      </a:r>
+                      <a:r>
+                        <a:rPr lang="de-DE" sz="1600" dirty="0"/>
+                        <a:t> </a:t>
+                      </a:r>
+                      <a:r>
+                        <a:rPr lang="de-DE" sz="1600" dirty="0" err="1"/>
+                        <a:t>the</a:t>
+                      </a:r>
+                      <a:r>
+                        <a:rPr lang="de-DE" sz="1600" dirty="0"/>
+                        <a:t> </a:t>
+                      </a:r>
+                      <a:r>
+                        <a:rPr lang="de-DE" sz="1600" dirty="0" err="1"/>
+                        <a:t>server</a:t>
+                      </a:r>
+                      <a:endParaRPr lang="de-DE" sz="1600" dirty="0"/>
+                    </a:p>
+                  </a:txBody>
+                  <a:tcPr/>
+                </a:tc>
+                <a:tc>
+                  <a:txBody>
+                    <a:bodyPr/>
+                    <a:lstStyle/>
+                    <a:p>
+                      <a:r>
+                        <a:rPr lang="de-DE" sz="1600" dirty="0" err="1"/>
+                        <a:t>functional</a:t>
+                      </a:r>
+                      <a:endParaRPr lang="de-DE" sz="1600" dirty="0"/>
+                    </a:p>
+                  </a:txBody>
+                  <a:tcPr/>
+                </a:tc>
+                <a:tc>
+                  <a:txBody>
+                    <a:bodyPr/>
+                    <a:lstStyle/>
+                    <a:p>
+                      <a:r>
+                        <a:rPr lang="de-DE" sz="1600" dirty="0"/>
+                        <a:t>x</a:t>
+                      </a:r>
+                    </a:p>
+                  </a:txBody>
+                  <a:tcPr/>
+                </a:tc>
+                <a:extLst>
+                  <a:ext uri="{0D108BD9-81ED-4DB2-BD59-A6C34878D82A}">
+                    <a16:rowId xmlns:a16="http://schemas.microsoft.com/office/drawing/2014/main" val="2159462814"/>
+                  </a:ext>
+                </a:extLst>
+              </a:tr>
+            </a:tbl>
+          </a:graphicData>
+        </a:graphic>
+      </p:graphicFrame>
     </p:spTree>
     <p:extLst>
       <p:ext uri="{BB962C8B-B14F-4D97-AF65-F5344CB8AC3E}">
@@ -6399,7 +7450,7 @@
         <p:spPr>
           <a:xfrm>
             <a:off x="647564" y="1192577"/>
-            <a:ext cx="8316924" cy="1992853"/>
+            <a:ext cx="3312368" cy="3223959"/>
           </a:xfrm>
           <a:prstGeom prst="rect">
             <a:avLst/>
@@ -6520,9 +7571,9 @@
             <a:pPr>
               <a:defRPr/>
             </a:pPr>
-            <a:fld id="{EFB6691A-8CC7-5B40-A053-29089FABF493}" type="datetime1">
+            <a:fld id="{0BBD1A56-0144-42DC-9335-30571B1427CB}" type="datetime1">
               <a:rPr lang="de-DE" smtClean="0"/>
-              <a:t>13.07.2020</a:t>
+              <a:t>14.07.2020</a:t>
             </a:fld>
             <a:endParaRPr lang="de-DE"/>
           </a:p>
@@ -6547,8 +7598,8 @@
               <a:defRPr/>
             </a:pPr>
             <a:r>
-              <a:rPr lang="de-DE"/>
-              <a:t>Prof. Dr. Achim Rettberg – University of Applied Sciences Hamm-Lippstadt</a:t>
+              <a:rPr lang="en-US"/>
+              <a:t>Michael Jathe  – University of Applied Sciences Hamm-Lippstadt</a:t>
             </a:r>
             <a:endParaRPr lang="de-DE" dirty="0"/>
           </a:p>
@@ -6628,6 +7679,77 @@
               <a:latin typeface="Arial"/>
               <a:cs typeface="Arial"/>
             </a:endParaRPr>
+          </a:p>
+        </p:txBody>
+      </p:sp>
+      <p:pic>
+        <p:nvPicPr>
+          <p:cNvPr id="8" name="Grafik 7" descr="Ein Bild, das Text, Karte enthält.&#10;&#10;Automatisch generierte Beschreibung">
+            <a:extLst>
+              <a:ext uri="{FF2B5EF4-FFF2-40B4-BE49-F238E27FC236}">
+                <a16:creationId xmlns:a16="http://schemas.microsoft.com/office/drawing/2014/main" id="{70E518CD-96CD-4A6A-92D7-16D6E814F35C}"/>
+              </a:ext>
+            </a:extLst>
+          </p:cNvPr>
+          <p:cNvPicPr>
+            <a:picLocks noChangeAspect="1"/>
+          </p:cNvPicPr>
+          <p:nvPr/>
+        </p:nvPicPr>
+        <p:blipFill>
+          <a:blip r:embed="rId3">
+            <a:extLst>
+              <a:ext uri="{28A0092B-C50C-407E-A947-70E740481C1C}">
+                <a14:useLocalDpi xmlns:a14="http://schemas.microsoft.com/office/drawing/2010/main" val="0"/>
+              </a:ext>
+            </a:extLst>
+          </a:blip>
+          <a:stretch>
+            <a:fillRect/>
+          </a:stretch>
+        </p:blipFill>
+        <p:spPr>
+          <a:xfrm>
+            <a:off x="4031940" y="1237577"/>
+            <a:ext cx="4752020" cy="3530751"/>
+          </a:xfrm>
+          <a:prstGeom prst="rect">
+            <a:avLst/>
+          </a:prstGeom>
+        </p:spPr>
+      </p:pic>
+      <p:sp>
+        <p:nvSpPr>
+          <p:cNvPr id="9" name="Textfeld 8">
+            <a:extLst>
+              <a:ext uri="{FF2B5EF4-FFF2-40B4-BE49-F238E27FC236}">
+                <a16:creationId xmlns:a16="http://schemas.microsoft.com/office/drawing/2014/main" id="{613E7867-13C7-4089-A163-B80AC6BEDD29}"/>
+              </a:ext>
+            </a:extLst>
+          </p:cNvPr>
+          <p:cNvSpPr txBox="1"/>
+          <p:nvPr/>
+        </p:nvSpPr>
+        <p:spPr>
+          <a:xfrm>
+            <a:off x="4103948" y="4797113"/>
+            <a:ext cx="4752020" cy="503023"/>
+          </a:xfrm>
+          <a:prstGeom prst="rect">
+            <a:avLst/>
+          </a:prstGeom>
+          <a:noFill/>
+        </p:spPr>
+        <p:txBody>
+          <a:bodyPr wrap="square" rtlCol="0">
+            <a:spAutoFit/>
+          </a:bodyPr>
+          <a:lstStyle/>
+          <a:p>
+            <a:r>
+              <a:rPr lang="en-US" sz="1000" dirty="0"/>
+              <a:t>https://de.statista.com/statistik/daten/studie/893915/umfrage/connected-car-anzahl-der-fahrzeuge-weltweit/</a:t>
+            </a:r>
           </a:p>
         </p:txBody>
       </p:sp>
@@ -6679,9 +7801,9 @@
             <a:pPr>
               <a:defRPr/>
             </a:pPr>
-            <a:fld id="{EFB6691A-8CC7-5B40-A053-29089FABF493}" type="datetime1">
+            <a:fld id="{3FE42D65-B9D3-429E-8CF5-5CFDD4AC5E3B}" type="datetime1">
               <a:rPr lang="de-DE" smtClean="0"/>
-              <a:t>13.07.2020</a:t>
+              <a:t>14.07.2020</a:t>
             </a:fld>
             <a:endParaRPr lang="de-DE"/>
           </a:p>
@@ -6706,8 +7828,8 @@
               <a:defRPr/>
             </a:pPr>
             <a:r>
-              <a:rPr lang="de-DE"/>
-              <a:t>Prof. Dr. Achim Rettberg – University of Applied Sciences Hamm-Lippstadt</a:t>
+              <a:rPr lang="en-US"/>
+              <a:t>Michael Jathe  – University of Applied Sciences Hamm-Lippstadt</a:t>
             </a:r>
             <a:endParaRPr lang="de-DE" dirty="0"/>
           </a:p>
@@ -7443,9 +8565,9 @@
             <a:pPr>
               <a:defRPr/>
             </a:pPr>
-            <a:fld id="{EFB6691A-8CC7-5B40-A053-29089FABF493}" type="datetime1">
+            <a:fld id="{B4643515-5274-463B-BC09-1D8B8E6FF9B2}" type="datetime1">
               <a:rPr lang="de-DE" smtClean="0"/>
-              <a:t>13.07.2020</a:t>
+              <a:t>14.07.2020</a:t>
             </a:fld>
             <a:endParaRPr lang="de-DE"/>
           </a:p>
@@ -7470,8 +8592,8 @@
               <a:defRPr/>
             </a:pPr>
             <a:r>
-              <a:rPr lang="de-DE"/>
-              <a:t>Prof. Dr. Achim Rettberg – University of Applied Sciences Hamm-Lippstadt</a:t>
+              <a:rPr lang="en-US"/>
+              <a:t>Michael Jathe  – University of Applied Sciences Hamm-Lippstadt</a:t>
             </a:r>
             <a:endParaRPr lang="de-DE" dirty="0"/>
           </a:p>
@@ -8893,9 +10015,9 @@
             <a:pPr>
               <a:defRPr/>
             </a:pPr>
-            <a:fld id="{EFB6691A-8CC7-5B40-A053-29089FABF493}" type="datetime1">
+            <a:fld id="{DE1CCFFE-7917-4EB2-B2ED-7D4ABF2E9DA2}" type="datetime1">
               <a:rPr lang="de-DE" smtClean="0"/>
-              <a:t>13.07.2020</a:t>
+              <a:t>14.07.2020</a:t>
             </a:fld>
             <a:endParaRPr lang="de-DE"/>
           </a:p>
@@ -8920,8 +10042,8 @@
               <a:defRPr/>
             </a:pPr>
             <a:r>
-              <a:rPr lang="de-DE"/>
-              <a:t>Prof. Dr. Achim Rettberg – University of Applied Sciences Hamm-Lippstadt</a:t>
+              <a:rPr lang="en-US"/>
+              <a:t>Michael Jathe  – University of Applied Sciences Hamm-Lippstadt</a:t>
             </a:r>
             <a:endParaRPr lang="de-DE" dirty="0"/>
           </a:p>
@@ -9098,9 +10220,9 @@
             <a:pPr>
               <a:defRPr/>
             </a:pPr>
-            <a:fld id="{EFB6691A-8CC7-5B40-A053-29089FABF493}" type="datetime1">
+            <a:fld id="{4AEF2C68-28C1-4606-A1DA-215C99BBAE1B}" type="datetime1">
               <a:rPr lang="de-DE" smtClean="0"/>
-              <a:t>13.07.2020</a:t>
+              <a:t>14.07.2020</a:t>
             </a:fld>
             <a:endParaRPr lang="de-DE"/>
           </a:p>
@@ -9125,8 +10247,8 @@
               <a:defRPr/>
             </a:pPr>
             <a:r>
-              <a:rPr lang="de-DE"/>
-              <a:t>Prof. Dr. Achim Rettberg – University of Applied Sciences Hamm-Lippstadt</a:t>
+              <a:rPr lang="en-US"/>
+              <a:t>Michael Jathe  – University of Applied Sciences Hamm-Lippstadt</a:t>
             </a:r>
             <a:endParaRPr lang="de-DE" dirty="0"/>
           </a:p>
@@ -9352,9 +10474,9 @@
             <a:pPr>
               <a:defRPr/>
             </a:pPr>
-            <a:fld id="{EFB6691A-8CC7-5B40-A053-29089FABF493}" type="datetime1">
+            <a:fld id="{3B49E32A-A757-4316-8240-07C0FC9419E4}" type="datetime1">
               <a:rPr lang="de-DE" smtClean="0"/>
-              <a:t>13.07.2020</a:t>
+              <a:t>14.07.2020</a:t>
             </a:fld>
             <a:endParaRPr lang="de-DE"/>
           </a:p>
@@ -9379,8 +10501,8 @@
               <a:defRPr/>
             </a:pPr>
             <a:r>
-              <a:rPr lang="de-DE"/>
-              <a:t>Prof. Dr. Achim Rettberg – University of Applied Sciences Hamm-Lippstadt</a:t>
+              <a:rPr lang="en-US"/>
+              <a:t>Michael Jathe  – University of Applied Sciences Hamm-Lippstadt</a:t>
             </a:r>
             <a:endParaRPr lang="de-DE" dirty="0"/>
           </a:p>
@@ -9601,9 +10723,9 @@
             <a:pPr>
               <a:defRPr/>
             </a:pPr>
-            <a:fld id="{EFB6691A-8CC7-5B40-A053-29089FABF493}" type="datetime1">
+            <a:fld id="{D3674360-AD5D-4C47-91A2-680B7942AD1C}" type="datetime1">
               <a:rPr lang="de-DE" smtClean="0"/>
-              <a:t>13.07.2020</a:t>
+              <a:t>14.07.2020</a:t>
             </a:fld>
             <a:endParaRPr lang="de-DE"/>
           </a:p>
@@ -9628,8 +10750,8 @@
               <a:defRPr/>
             </a:pPr>
             <a:r>
-              <a:rPr lang="de-DE"/>
-              <a:t>Prof. Dr. Achim Rettberg – University of Applied Sciences Hamm-Lippstadt</a:t>
+              <a:rPr lang="en-US"/>
+              <a:t>Michael Jathe  – University of Applied Sciences Hamm-Lippstadt</a:t>
             </a:r>
             <a:endParaRPr lang="de-DE" dirty="0"/>
           </a:p>
@@ -9850,9 +10972,9 @@
             <a:pPr>
               <a:defRPr/>
             </a:pPr>
-            <a:fld id="{EFB6691A-8CC7-5B40-A053-29089FABF493}" type="datetime1">
+            <a:fld id="{49775CAD-813E-48A0-B374-53D074207D9F}" type="datetime1">
               <a:rPr lang="de-DE" smtClean="0"/>
-              <a:t>13.07.2020</a:t>
+              <a:t>14.07.2020</a:t>
             </a:fld>
             <a:endParaRPr lang="de-DE"/>
           </a:p>
@@ -9877,8 +10999,8 @@
               <a:defRPr/>
             </a:pPr>
             <a:r>
-              <a:rPr lang="de-DE"/>
-              <a:t>Prof. Dr. Achim Rettberg – University of Applied Sciences Hamm-Lippstadt</a:t>
+              <a:rPr lang="en-US"/>
+              <a:t>Michael Jathe  – University of Applied Sciences Hamm-Lippstadt</a:t>
             </a:r>
             <a:endParaRPr lang="de-DE" dirty="0"/>
           </a:p>
@@ -10216,6 +11338,46 @@
             <a:r>
               <a:rPr lang="de-DE" dirty="0" err="1"/>
               <a:t>connection</a:t>
+            </a:r>
+            <a:endParaRPr lang="en-US" dirty="0"/>
+          </a:p>
+        </p:txBody>
+      </p:sp>
+      <p:sp>
+        <p:nvSpPr>
+          <p:cNvPr id="7" name="Textfeld 6">
+            <a:extLst>
+              <a:ext uri="{FF2B5EF4-FFF2-40B4-BE49-F238E27FC236}">
+                <a16:creationId xmlns:a16="http://schemas.microsoft.com/office/drawing/2014/main" id="{8E46667F-D15D-4217-83C8-06CDCFB9BEC4}"/>
+              </a:ext>
+            </a:extLst>
+          </p:cNvPr>
+          <p:cNvSpPr txBox="1"/>
+          <p:nvPr/>
+        </p:nvSpPr>
+        <p:spPr>
+          <a:xfrm>
+            <a:off x="469609" y="3730831"/>
+            <a:ext cx="2196244" cy="310341"/>
+          </a:xfrm>
+          <a:prstGeom prst="rect">
+            <a:avLst/>
+          </a:prstGeom>
+          <a:noFill/>
+        </p:spPr>
+        <p:txBody>
+          <a:bodyPr wrap="square" rtlCol="0">
+            <a:spAutoFit/>
+          </a:bodyPr>
+          <a:lstStyle/>
+          <a:p>
+            <a:r>
+              <a:rPr lang="de-DE" dirty="0" err="1"/>
+              <a:t>Requirement</a:t>
+            </a:r>
+            <a:r>
+              <a:rPr lang="de-DE" dirty="0"/>
+              <a:t> A.1</a:t>
             </a:r>
             <a:endParaRPr lang="en-US" dirty="0"/>
           </a:p>
